--- a/Course Content/Week 1 Run of show.pptx
+++ b/Course Content/Week 1 Run of show.pptx
@@ -105,7 +105,41 @@
       </a:defRPr>
     </a:lvl9pPr>
   </p:defaultTextStyle>
+  <p:extLst>
+    <p:ext uri="{EFAFB233-063F-42B5-8137-9DF3F51BA10A}">
+      <p15:sldGuideLst xmlns:p15="http://schemas.microsoft.com/office/powerpoint/2012/main"/>
+    </p:ext>
+  </p:extLst>
 </p:presentation>
+</file>
+
+<file path=ppt/changesInfos/changesInfo1.xml><?xml version="1.0" encoding="utf-8"?>
+<pc:chgInfo xmlns:a="http://schemas.openxmlformats.org/drawingml/2006/main" xmlns:r="http://schemas.openxmlformats.org/officeDocument/2006/relationships" xmlns:ac="http://schemas.microsoft.com/office/drawing/2013/main/command" xmlns:pc="http://schemas.microsoft.com/office/powerpoint/2013/main/command">
+  <pc:docChgLst>
+    <pc:chgData name="Martin Schray" userId="bf4f4853c980e97a" providerId="LiveId" clId="{6EDC1DD6-19D0-4C2E-8938-B5206DDC8BE0}"/>
+    <pc:docChg chg="custSel modSld">
+      <pc:chgData name="Martin Schray" userId="bf4f4853c980e97a" providerId="LiveId" clId="{6EDC1DD6-19D0-4C2E-8938-B5206DDC8BE0}" dt="2023-08-19T00:39:25.770" v="284" actId="20577"/>
+      <pc:docMkLst>
+        <pc:docMk/>
+      </pc:docMkLst>
+      <pc:sldChg chg="modSp mod">
+        <pc:chgData name="Martin Schray" userId="bf4f4853c980e97a" providerId="LiveId" clId="{6EDC1DD6-19D0-4C2E-8938-B5206DDC8BE0}" dt="2023-08-19T00:39:25.770" v="284" actId="20577"/>
+        <pc:sldMkLst>
+          <pc:docMk/>
+          <pc:sldMk cId="3378379329" sldId="257"/>
+        </pc:sldMkLst>
+        <pc:spChg chg="mod">
+          <ac:chgData name="Martin Schray" userId="bf4f4853c980e97a" providerId="LiveId" clId="{6EDC1DD6-19D0-4C2E-8938-B5206DDC8BE0}" dt="2023-08-19T00:39:25.770" v="284" actId="20577"/>
+          <ac:spMkLst>
+            <pc:docMk/>
+            <pc:sldMk cId="3378379329" sldId="257"/>
+            <ac:spMk id="3" creationId="{21EA771B-35ED-C84E-1D1E-29BC1E74E117}"/>
+          </ac:spMkLst>
+        </pc:spChg>
+      </pc:sldChg>
+    </pc:docChg>
+  </pc:docChgLst>
+</pc:chgInfo>
 </file>
 
 <file path=ppt/slideLayouts/slideLayout1.xml><?xml version="1.0" encoding="utf-8"?>
@@ -255,7 +289,7 @@
           <a:p>
             <a:fld id="{CC62FACC-9BC2-4291-B807-177E8DED663A}" type="datetimeFigureOut">
               <a:rPr lang="en-US" smtClean="0"/>
-              <a:t>1/10/2023</a:t>
+              <a:t>8/18/2023</a:t>
             </a:fld>
             <a:endParaRPr lang="en-US"/>
           </a:p>
@@ -453,7 +487,7 @@
           <a:p>
             <a:fld id="{CC62FACC-9BC2-4291-B807-177E8DED663A}" type="datetimeFigureOut">
               <a:rPr lang="en-US" smtClean="0"/>
-              <a:t>1/10/2023</a:t>
+              <a:t>8/18/2023</a:t>
             </a:fld>
             <a:endParaRPr lang="en-US"/>
           </a:p>
@@ -661,7 +695,7 @@
           <a:p>
             <a:fld id="{CC62FACC-9BC2-4291-B807-177E8DED663A}" type="datetimeFigureOut">
               <a:rPr lang="en-US" smtClean="0"/>
-              <a:t>1/10/2023</a:t>
+              <a:t>8/18/2023</a:t>
             </a:fld>
             <a:endParaRPr lang="en-US"/>
           </a:p>
@@ -859,7 +893,7 @@
           <a:p>
             <a:fld id="{CC62FACC-9BC2-4291-B807-177E8DED663A}" type="datetimeFigureOut">
               <a:rPr lang="en-US" smtClean="0"/>
-              <a:t>1/10/2023</a:t>
+              <a:t>8/18/2023</a:t>
             </a:fld>
             <a:endParaRPr lang="en-US"/>
           </a:p>
@@ -1134,7 +1168,7 @@
           <a:p>
             <a:fld id="{CC62FACC-9BC2-4291-B807-177E8DED663A}" type="datetimeFigureOut">
               <a:rPr lang="en-US" smtClean="0"/>
-              <a:t>1/10/2023</a:t>
+              <a:t>8/18/2023</a:t>
             </a:fld>
             <a:endParaRPr lang="en-US"/>
           </a:p>
@@ -1399,7 +1433,7 @@
           <a:p>
             <a:fld id="{CC62FACC-9BC2-4291-B807-177E8DED663A}" type="datetimeFigureOut">
               <a:rPr lang="en-US" smtClean="0"/>
-              <a:t>1/10/2023</a:t>
+              <a:t>8/18/2023</a:t>
             </a:fld>
             <a:endParaRPr lang="en-US"/>
           </a:p>
@@ -1811,7 +1845,7 @@
           <a:p>
             <a:fld id="{CC62FACC-9BC2-4291-B807-177E8DED663A}" type="datetimeFigureOut">
               <a:rPr lang="en-US" smtClean="0"/>
-              <a:t>1/10/2023</a:t>
+              <a:t>8/18/2023</a:t>
             </a:fld>
             <a:endParaRPr lang="en-US"/>
           </a:p>
@@ -1952,7 +1986,7 @@
           <a:p>
             <a:fld id="{CC62FACC-9BC2-4291-B807-177E8DED663A}" type="datetimeFigureOut">
               <a:rPr lang="en-US" smtClean="0"/>
-              <a:t>1/10/2023</a:t>
+              <a:t>8/18/2023</a:t>
             </a:fld>
             <a:endParaRPr lang="en-US"/>
           </a:p>
@@ -2065,7 +2099,7 @@
           <a:p>
             <a:fld id="{CC62FACC-9BC2-4291-B807-177E8DED663A}" type="datetimeFigureOut">
               <a:rPr lang="en-US" smtClean="0"/>
-              <a:t>1/10/2023</a:t>
+              <a:t>8/18/2023</a:t>
             </a:fld>
             <a:endParaRPr lang="en-US"/>
           </a:p>
@@ -2376,7 +2410,7 @@
           <a:p>
             <a:fld id="{CC62FACC-9BC2-4291-B807-177E8DED663A}" type="datetimeFigureOut">
               <a:rPr lang="en-US" smtClean="0"/>
-              <a:t>1/10/2023</a:t>
+              <a:t>8/18/2023</a:t>
             </a:fld>
             <a:endParaRPr lang="en-US"/>
           </a:p>
@@ -2664,7 +2698,7 @@
           <a:p>
             <a:fld id="{CC62FACC-9BC2-4291-B807-177E8DED663A}" type="datetimeFigureOut">
               <a:rPr lang="en-US" smtClean="0"/>
-              <a:t>1/10/2023</a:t>
+              <a:t>8/18/2023</a:t>
             </a:fld>
             <a:endParaRPr lang="en-US"/>
           </a:p>
@@ -2905,7 +2939,7 @@
           <a:p>
             <a:fld id="{CC62FACC-9BC2-4291-B807-177E8DED663A}" type="datetimeFigureOut">
               <a:rPr lang="en-US" smtClean="0"/>
-              <a:t>1/10/2023</a:t>
+              <a:t>8/18/2023</a:t>
             </a:fld>
             <a:endParaRPr lang="en-US"/>
           </a:p>
@@ -3456,7 +3490,7 @@
         <p:spPr/>
         <p:txBody>
           <a:bodyPr>
-            <a:normAutofit lnSpcReduction="10000"/>
+            <a:normAutofit fontScale="92500" lnSpcReduction="10000"/>
           </a:bodyPr>
           <a:lstStyle/>
           <a:p>
@@ -3514,15 +3548,27 @@
             <a:pPr lvl="1"/>
             <a:r>
               <a:rPr lang="en-US" dirty="0"/>
-              <a:t>Pick ideas</a:t>
+              <a:t>Vote on ideas to pick your top two project</a:t>
             </a:r>
           </a:p>
           <a:p>
             <a:pPr lvl="1"/>
             <a:r>
               <a:rPr lang="en-US" dirty="0"/>
-              <a:t>Pick teams</a:t>
-            </a:r>
+              <a:t>Professors assigns teams based on voting, matching, number of votes</a:t>
+            </a:r>
+          </a:p>
+          <a:p>
+            <a:pPr lvl="1"/>
+            <a:r>
+              <a:rPr lang="en-US" dirty="0"/>
+              <a:t>Based on the above - professors shares </a:t>
+            </a:r>
+            <a:r>
+              <a:rPr lang="en-US"/>
+              <a:t>teams members</a:t>
+            </a:r>
+            <a:endParaRPr lang="en-US" dirty="0"/>
           </a:p>
           <a:p>
             <a:pPr lvl="1"/>
